--- a/project111.pptx
+++ b/project111.pptx
@@ -5,7 +5,7 @@
     <p:sldMasterId id="2147483828" r:id="rId1"/>
   </p:sldMasterIdLst>
   <p:notesMasterIdLst>
-    <p:notesMasterId r:id="rId9"/>
+    <p:notesMasterId r:id="rId13"/>
   </p:notesMasterIdLst>
   <p:sldIdLst>
     <p:sldId id="256" r:id="rId2"/>
@@ -15,6 +15,10 @@
     <p:sldId id="261" r:id="rId6"/>
     <p:sldId id="265" r:id="rId7"/>
     <p:sldId id="263" r:id="rId8"/>
+    <p:sldId id="266" r:id="rId9"/>
+    <p:sldId id="267" r:id="rId10"/>
+    <p:sldId id="268" r:id="rId11"/>
+    <p:sldId id="269" r:id="rId12"/>
   </p:sldIdLst>
   <p:sldSz cx="12192000" cy="6858000"/>
   <p:notesSz cx="6858000" cy="9144000"/>
@@ -113,6 +117,11 @@
       </a:defRPr>
     </a:lvl9pPr>
   </p:defaultTextStyle>
+  <p:extLst>
+    <p:ext uri="{EFAFB233-063F-42B5-8137-9DF3F51BA10A}">
+      <p15:sldGuideLst xmlns:p15="http://schemas.microsoft.com/office/powerpoint/2012/main"/>
+    </p:ext>
+  </p:extLst>
 </p:presentation>
 </file>
 
@@ -198,7 +207,7 @@
           <a:p>
             <a:fld id="{C9BFCB91-D024-6443-8205-2366A2B81EDE}" type="datetimeFigureOut">
               <a:rPr lang="en-US" smtClean="0"/>
-              <a:t>10/17/23</a:t>
+              <a:t>12/5/23</a:t>
             </a:fld>
             <a:endParaRPr lang="en-US"/>
           </a:p>
@@ -465,6 +474,90 @@
 </p:notesMaster>
 </file>
 
+<file path=ppt/notesSlides/notesSlide1.xml><?xml version="1.0" encoding="utf-8"?>
+<p:notes xmlns:a="http://schemas.openxmlformats.org/drawingml/2006/main" xmlns:r="http://schemas.openxmlformats.org/officeDocument/2006/relationships" xmlns:p="http://schemas.openxmlformats.org/presentationml/2006/main">
+  <p:cSld>
+    <p:spTree>
+      <p:nvGrpSpPr>
+        <p:cNvPr id="1" name=""/>
+        <p:cNvGrpSpPr/>
+        <p:nvPr/>
+      </p:nvGrpSpPr>
+      <p:grpSpPr>
+        <a:xfrm>
+          <a:off x="0" y="0"/>
+          <a:ext cx="0" cy="0"/>
+          <a:chOff x="0" y="0"/>
+          <a:chExt cx="0" cy="0"/>
+        </a:xfrm>
+      </p:grpSpPr>
+      <p:sp>
+        <p:nvSpPr>
+          <p:cNvPr id="2" name="Slide Image Placeholder 1"/>
+          <p:cNvSpPr>
+            <a:spLocks noGrp="1" noRot="1" noChangeAspect="1"/>
+          </p:cNvSpPr>
+          <p:nvPr>
+            <p:ph type="sldImg"/>
+          </p:nvPr>
+        </p:nvSpPr>
+        <p:spPr/>
+      </p:sp>
+      <p:sp>
+        <p:nvSpPr>
+          <p:cNvPr id="3" name="Notes Placeholder 2"/>
+          <p:cNvSpPr>
+            <a:spLocks noGrp="1"/>
+          </p:cNvSpPr>
+          <p:nvPr>
+            <p:ph type="body" idx="1"/>
+          </p:nvPr>
+        </p:nvSpPr>
+        <p:spPr/>
+        <p:txBody>
+          <a:bodyPr/>
+          <a:lstStyle/>
+          <a:p>
+            <a:endParaRPr lang="en-US"/>
+          </a:p>
+        </p:txBody>
+      </p:sp>
+      <p:sp>
+        <p:nvSpPr>
+          <p:cNvPr id="4" name="Slide Number Placeholder 3"/>
+          <p:cNvSpPr>
+            <a:spLocks noGrp="1"/>
+          </p:cNvSpPr>
+          <p:nvPr>
+            <p:ph type="sldNum" sz="quarter" idx="5"/>
+          </p:nvPr>
+        </p:nvSpPr>
+        <p:spPr/>
+        <p:txBody>
+          <a:bodyPr/>
+          <a:lstStyle/>
+          <a:p>
+            <a:fld id="{09B15199-22FE-5D47-9876-BF8394C0A70E}" type="slidenum">
+              <a:rPr lang="en-US" smtClean="0"/>
+              <a:t>1</a:t>
+            </a:fld>
+            <a:endParaRPr lang="en-US"/>
+          </a:p>
+        </p:txBody>
+      </p:sp>
+    </p:spTree>
+    <p:extLst>
+      <p:ext uri="{BB962C8B-B14F-4D97-AF65-F5344CB8AC3E}">
+        <p14:creationId xmlns:p14="http://schemas.microsoft.com/office/powerpoint/2010/main" val="3237116710"/>
+      </p:ext>
+    </p:extLst>
+  </p:cSld>
+  <p:clrMapOvr>
+    <a:masterClrMapping/>
+  </p:clrMapOvr>
+</p:notes>
+</file>
+
 <file path=ppt/slideLayouts/slideLayout1.xml><?xml version="1.0" encoding="utf-8"?>
 <p:sldLayout xmlns:a="http://schemas.openxmlformats.org/drawingml/2006/main" xmlns:r="http://schemas.openxmlformats.org/officeDocument/2006/relationships" xmlns:p="http://schemas.openxmlformats.org/presentationml/2006/main" showMasterSp="0" type="title" preserve="1">
   <p:cSld name="Title Slide">
@@ -772,7 +865,7 @@
           <a:p>
             <a:fld id="{12241623-A064-4BED-B073-BA4D61433402}" type="datetime1">
               <a:rPr lang="en-US" smtClean="0"/>
-              <a:t>10/16/23</a:t>
+              <a:t>12/5/23</a:t>
             </a:fld>
             <a:endParaRPr lang="en-US" dirty="0"/>
           </a:p>
@@ -1583,7 +1676,7 @@
           <a:p>
             <a:fld id="{6F86ED0C-1DA7-41F0-94CF-6218B1FEDFF1}" type="datetime1">
               <a:rPr lang="en-US" smtClean="0"/>
-              <a:t>10/16/23</a:t>
+              <a:t>12/5/23</a:t>
             </a:fld>
             <a:endParaRPr lang="en-US" dirty="0"/>
           </a:p>
@@ -1782,7 +1875,7 @@
           <a:p>
             <a:fld id="{EECF02AB-6034-4B88-BC5A-7C17CB0EF809}" type="datetime1">
               <a:rPr lang="en-US" smtClean="0"/>
-              <a:t>10/16/23</a:t>
+              <a:t>12/5/23</a:t>
             </a:fld>
             <a:endParaRPr lang="en-US" dirty="0"/>
           </a:p>
@@ -2017,7 +2110,7 @@
           <a:p>
             <a:fld id="{22F3E5F3-28EE-488F-BD53-B744C06C3DEC}" type="datetime1">
               <a:rPr lang="en-US" smtClean="0"/>
-              <a:t>10/16/23</a:t>
+              <a:t>12/5/23</a:t>
             </a:fld>
             <a:endParaRPr lang="en-US" dirty="0"/>
           </a:p>
@@ -4710,7 +4803,7 @@
           <a:p>
             <a:fld id="{E72EB70D-CD01-44DA-83B3-8FEB3383D307}" type="datetime1">
               <a:rPr lang="en-US" smtClean="0"/>
-              <a:t>10/16/23</a:t>
+              <a:t>12/5/23</a:t>
             </a:fld>
             <a:endParaRPr lang="en-US" dirty="0"/>
           </a:p>
@@ -4906,7 +4999,7 @@
           <a:p>
             <a:fld id="{D0158CFD-9357-46BE-A189-D637A67C8730}" type="datetime1">
               <a:rPr lang="en-US" smtClean="0"/>
-              <a:t>10/16/23</a:t>
+              <a:t>12/5/23</a:t>
             </a:fld>
             <a:endParaRPr lang="en-US" dirty="0"/>
           </a:p>
@@ -5295,7 +5388,7 @@
           <a:p>
             <a:fld id="{7B4742EE-B331-4632-BD10-A82FED6B6FC0}" type="datetime1">
               <a:rPr lang="en-US" smtClean="0"/>
-              <a:t>10/16/23</a:t>
+              <a:t>12/5/23</a:t>
             </a:fld>
             <a:endParaRPr lang="en-US" dirty="0"/>
           </a:p>
@@ -5461,7 +5554,7 @@
           <a:p>
             <a:fld id="{451BA835-D13F-49F4-8F11-5D576AC65FAD}" type="datetime1">
               <a:rPr lang="en-US" smtClean="0"/>
-              <a:t>10/16/23</a:t>
+              <a:t>12/5/23</a:t>
             </a:fld>
             <a:endParaRPr lang="en-US" dirty="0"/>
           </a:p>
@@ -5584,7 +5677,7 @@
           <a:p>
             <a:fld id="{ADBD1799-ACB5-4CB2-86A2-5C574F1C8706}" type="datetime1">
               <a:rPr lang="en-US" smtClean="0"/>
-              <a:t>10/16/23</a:t>
+              <a:t>12/5/23</a:t>
             </a:fld>
             <a:endParaRPr lang="en-US" dirty="0"/>
           </a:p>
@@ -5894,7 +5987,7 @@
           <a:p>
             <a:fld id="{ED5DD0D6-7A82-473E-879B-C6ECD6CCCFEC}" type="datetime1">
               <a:rPr lang="en-US" smtClean="0"/>
-              <a:t>10/16/23</a:t>
+              <a:t>12/5/23</a:t>
             </a:fld>
             <a:endParaRPr lang="en-US" dirty="0"/>
           </a:p>
@@ -6194,7 +6287,7 @@
           <a:p>
             <a:fld id="{D4605E03-BC17-41A7-854C-DFAB672737DC}" type="datetime1">
               <a:rPr lang="en-US" smtClean="0"/>
-              <a:t>10/16/23</a:t>
+              <a:t>12/5/23</a:t>
             </a:fld>
             <a:endParaRPr lang="en-US" dirty="0"/>
           </a:p>
@@ -6446,7 +6539,7 @@
           <a:p>
             <a:fld id="{C4408324-A84C-4A45-93B6-78D079CCE772}" type="datetime1">
               <a:rPr lang="en-US" smtClean="0"/>
-              <a:t>10/16/23</a:t>
+              <a:t>12/5/23</a:t>
             </a:fld>
             <a:endParaRPr lang="en-US" dirty="0"/>
           </a:p>
@@ -8200,7 +8293,6 @@
               <a:rPr lang="en-US" dirty="0"/>
               <a:t>By Mesfin Kebede </a:t>
             </a:r>
-            <a:endParaRPr lang="en-US"/>
           </a:p>
         </p:txBody>
       </p:sp>
@@ -8219,13 +8311,13 @@
           <p:nvPr/>
         </p:nvPicPr>
         <p:blipFill>
-          <a:blip r:embed="rId2">
+          <a:blip r:embed="rId3">
             <a:extLst>
               <a:ext uri="{28A0092B-C50C-407E-A947-70E740481C1C}">
                 <a14:useLocalDpi xmlns:a14="http://schemas.microsoft.com/office/drawing/2010/main" val="0"/>
               </a:ext>
               <a:ext uri="{96DAC541-7B7A-43D3-8B79-37D633B846F1}">
-                <asvg:svgBlip xmlns:asvg="http://schemas.microsoft.com/office/drawing/2016/SVG/main" r:embed="rId3"/>
+                <asvg:svgBlip xmlns:asvg="http://schemas.microsoft.com/office/drawing/2016/SVG/main" r:embed="rId4"/>
               </a:ext>
             </a:extLst>
           </a:blip>
@@ -8247,6 +8339,264 @@
     <p:extLst>
       <p:ext uri="{BB962C8B-B14F-4D97-AF65-F5344CB8AC3E}">
         <p14:creationId xmlns:p14="http://schemas.microsoft.com/office/powerpoint/2010/main" val="2343086245"/>
+      </p:ext>
+    </p:extLst>
+  </p:cSld>
+  <p:clrMapOvr>
+    <a:masterClrMapping/>
+  </p:clrMapOvr>
+</p:sld>
+</file>
+
+<file path=ppt/slides/slide10.xml><?xml version="1.0" encoding="utf-8"?>
+<p:sld xmlns:a="http://schemas.openxmlformats.org/drawingml/2006/main" xmlns:r="http://schemas.openxmlformats.org/officeDocument/2006/relationships" xmlns:p="http://schemas.openxmlformats.org/presentationml/2006/main">
+  <p:cSld>
+    <p:bg>
+      <p:bgPr>
+        <a:solidFill>
+          <a:schemeClr val="bg2"/>
+        </a:solidFill>
+        <a:effectLst/>
+      </p:bgPr>
+    </p:bg>
+    <p:spTree>
+      <p:nvGrpSpPr>
+        <p:cNvPr id="1" name=""/>
+        <p:cNvGrpSpPr/>
+        <p:nvPr/>
+      </p:nvGrpSpPr>
+      <p:grpSpPr>
+        <a:xfrm>
+          <a:off x="0" y="0"/>
+          <a:ext cx="0" cy="0"/>
+          <a:chOff x="0" y="0"/>
+          <a:chExt cx="0" cy="0"/>
+        </a:xfrm>
+      </p:grpSpPr>
+      <p:sp useBgFill="1">
+        <p:nvSpPr>
+          <p:cNvPr id="10" name="Rectangle 9">
+            <a:extLst>
+              <a:ext uri="{FF2B5EF4-FFF2-40B4-BE49-F238E27FC236}">
+                <a16:creationId xmlns:a16="http://schemas.microsoft.com/office/drawing/2014/main" id="{8950AD4C-6AF3-49F8-94E1-DBCAFB39478B}"/>
+              </a:ext>
+              <a:ext uri="{C183D7F6-B498-43B3-948B-1728B52AA6E4}">
+                <adec:decorative xmlns:adec="http://schemas.microsoft.com/office/drawing/2017/decorative" val="1"/>
+              </a:ext>
+            </a:extLst>
+          </p:cNvPr>
+          <p:cNvSpPr>
+            <a:spLocks noGrp="1" noRot="1" noChangeAspect="1" noMove="1" noResize="1" noEditPoints="1" noAdjustHandles="1" noChangeArrowheads="1" noChangeShapeType="1" noTextEdit="1"/>
+          </p:cNvSpPr>
+          <p:nvPr>
+            <p:extLst>
+              <p:ext uri="{386F3935-93C4-4BCD-93E2-E3B085C9AB24}">
+                <p16:designElem xmlns:p16="http://schemas.microsoft.com/office/powerpoint/2015/main" val="1"/>
+              </p:ext>
+            </p:extLst>
+          </p:nvPr>
+        </p:nvSpPr>
+        <p:spPr>
+          <a:xfrm>
+            <a:off x="0" y="0"/>
+            <a:ext cx="12192000" cy="6858000"/>
+          </a:xfrm>
+          <a:prstGeom prst="rect">
+            <a:avLst/>
+          </a:prstGeom>
+          <a:ln>
+            <a:noFill/>
+          </a:ln>
+        </p:spPr>
+        <p:style>
+          <a:lnRef idx="2">
+            <a:schemeClr val="accent1">
+              <a:shade val="50000"/>
+            </a:schemeClr>
+          </a:lnRef>
+          <a:fillRef idx="1">
+            <a:schemeClr val="accent1"/>
+          </a:fillRef>
+          <a:effectRef idx="0">
+            <a:schemeClr val="accent1"/>
+          </a:effectRef>
+          <a:fontRef idx="minor">
+            <a:schemeClr val="lt1"/>
+          </a:fontRef>
+        </p:style>
+        <p:txBody>
+          <a:bodyPr rtlCol="0" anchor="ctr"/>
+          <a:lstStyle/>
+          <a:p>
+            <a:pPr algn="ctr"/>
+            <a:endParaRPr lang="en-US"/>
+          </a:p>
+        </p:txBody>
+      </p:sp>
+      <p:pic>
+        <p:nvPicPr>
+          <p:cNvPr id="5" name="Content Placeholder 4" descr="A screenshot of a computer&#10;&#10;Description automatically generated">
+            <a:extLst>
+              <a:ext uri="{FF2B5EF4-FFF2-40B4-BE49-F238E27FC236}">
+                <a16:creationId xmlns:a16="http://schemas.microsoft.com/office/drawing/2014/main" id="{438E1F69-2B38-4047-CACF-BFB6A9582956}"/>
+              </a:ext>
+            </a:extLst>
+          </p:cNvPr>
+          <p:cNvPicPr>
+            <a:picLocks noGrp="1" noChangeAspect="1"/>
+          </p:cNvPicPr>
+          <p:nvPr>
+            <p:ph idx="1"/>
+          </p:nvPr>
+        </p:nvPicPr>
+        <p:blipFill rotWithShape="1">
+          <a:blip r:embed="rId2"/>
+          <a:srcRect r="13333" b="-1"/>
+          <a:stretch/>
+        </p:blipFill>
+        <p:spPr>
+          <a:xfrm>
+            <a:off x="-1" y="10"/>
+            <a:ext cx="12192000" cy="6857990"/>
+          </a:xfrm>
+          <a:prstGeom prst="rect">
+            <a:avLst/>
+          </a:prstGeom>
+        </p:spPr>
+      </p:pic>
+    </p:spTree>
+    <p:extLst>
+      <p:ext uri="{BB962C8B-B14F-4D97-AF65-F5344CB8AC3E}">
+        <p14:creationId xmlns:p14="http://schemas.microsoft.com/office/powerpoint/2010/main" val="3120807410"/>
+      </p:ext>
+    </p:extLst>
+  </p:cSld>
+  <p:clrMapOvr>
+    <a:masterClrMapping/>
+  </p:clrMapOvr>
+</p:sld>
+</file>
+
+<file path=ppt/slides/slide11.xml><?xml version="1.0" encoding="utf-8"?>
+<p:sld xmlns:a="http://schemas.openxmlformats.org/drawingml/2006/main" xmlns:r="http://schemas.openxmlformats.org/officeDocument/2006/relationships" xmlns:p="http://schemas.openxmlformats.org/presentationml/2006/main">
+  <p:cSld>
+    <p:bg>
+      <p:bgPr>
+        <a:solidFill>
+          <a:schemeClr val="bg2"/>
+        </a:solidFill>
+        <a:effectLst/>
+      </p:bgPr>
+    </p:bg>
+    <p:spTree>
+      <p:nvGrpSpPr>
+        <p:cNvPr id="1" name=""/>
+        <p:cNvGrpSpPr/>
+        <p:nvPr/>
+      </p:nvGrpSpPr>
+      <p:grpSpPr>
+        <a:xfrm>
+          <a:off x="0" y="0"/>
+          <a:ext cx="0" cy="0"/>
+          <a:chOff x="0" y="0"/>
+          <a:chExt cx="0" cy="0"/>
+        </a:xfrm>
+      </p:grpSpPr>
+      <p:sp useBgFill="1">
+        <p:nvSpPr>
+          <p:cNvPr id="10" name="Rectangle 9">
+            <a:extLst>
+              <a:ext uri="{FF2B5EF4-FFF2-40B4-BE49-F238E27FC236}">
+                <a16:creationId xmlns:a16="http://schemas.microsoft.com/office/drawing/2014/main" id="{8950AD4C-6AF3-49F8-94E1-DBCAFB39478B}"/>
+              </a:ext>
+              <a:ext uri="{C183D7F6-B498-43B3-948B-1728B52AA6E4}">
+                <adec:decorative xmlns:adec="http://schemas.microsoft.com/office/drawing/2017/decorative" val="1"/>
+              </a:ext>
+            </a:extLst>
+          </p:cNvPr>
+          <p:cNvSpPr>
+            <a:spLocks noGrp="1" noRot="1" noChangeAspect="1" noMove="1" noResize="1" noEditPoints="1" noAdjustHandles="1" noChangeArrowheads="1" noChangeShapeType="1" noTextEdit="1"/>
+          </p:cNvSpPr>
+          <p:nvPr>
+            <p:extLst>
+              <p:ext uri="{386F3935-93C4-4BCD-93E2-E3B085C9AB24}">
+                <p16:designElem xmlns:p16="http://schemas.microsoft.com/office/powerpoint/2015/main" val="1"/>
+              </p:ext>
+            </p:extLst>
+          </p:nvPr>
+        </p:nvSpPr>
+        <p:spPr>
+          <a:xfrm>
+            <a:off x="0" y="0"/>
+            <a:ext cx="12192000" cy="6858000"/>
+          </a:xfrm>
+          <a:prstGeom prst="rect">
+            <a:avLst/>
+          </a:prstGeom>
+          <a:ln>
+            <a:noFill/>
+          </a:ln>
+        </p:spPr>
+        <p:style>
+          <a:lnRef idx="2">
+            <a:schemeClr val="accent1">
+              <a:shade val="50000"/>
+            </a:schemeClr>
+          </a:lnRef>
+          <a:fillRef idx="1">
+            <a:schemeClr val="accent1"/>
+          </a:fillRef>
+          <a:effectRef idx="0">
+            <a:schemeClr val="accent1"/>
+          </a:effectRef>
+          <a:fontRef idx="minor">
+            <a:schemeClr val="lt1"/>
+          </a:fontRef>
+        </p:style>
+        <p:txBody>
+          <a:bodyPr rtlCol="0" anchor="ctr"/>
+          <a:lstStyle/>
+          <a:p>
+            <a:pPr algn="ctr"/>
+            <a:endParaRPr lang="en-US"/>
+          </a:p>
+        </p:txBody>
+      </p:sp>
+      <p:pic>
+        <p:nvPicPr>
+          <p:cNvPr id="5" name="Content Placeholder 4" descr="A screenshot of a computer&#10;&#10;Description automatically generated">
+            <a:extLst>
+              <a:ext uri="{FF2B5EF4-FFF2-40B4-BE49-F238E27FC236}">
+                <a16:creationId xmlns:a16="http://schemas.microsoft.com/office/drawing/2014/main" id="{8629002F-5FD5-7B48-3A43-B5344F508D7F}"/>
+              </a:ext>
+            </a:extLst>
+          </p:cNvPr>
+          <p:cNvPicPr>
+            <a:picLocks noGrp="1" noChangeAspect="1"/>
+          </p:cNvPicPr>
+          <p:nvPr>
+            <p:ph idx="1"/>
+          </p:nvPr>
+        </p:nvPicPr>
+        <p:blipFill rotWithShape="1">
+          <a:blip r:embed="rId2"/>
+          <a:srcRect r="4445" b="1"/>
+          <a:stretch/>
+        </p:blipFill>
+        <p:spPr>
+          <a:xfrm>
+            <a:off x="-1" y="10"/>
+            <a:ext cx="12192000" cy="6857990"/>
+          </a:xfrm>
+          <a:prstGeom prst="rect">
+            <a:avLst/>
+          </a:prstGeom>
+        </p:spPr>
+      </p:pic>
+    </p:spTree>
+    <p:extLst>
+      <p:ext uri="{BB962C8B-B14F-4D97-AF65-F5344CB8AC3E}">
+        <p14:creationId xmlns:p14="http://schemas.microsoft.com/office/powerpoint/2010/main" val="180817452"/>
       </p:ext>
     </p:extLst>
   </p:cSld>
@@ -8442,14 +8792,14 @@
               <a:buChar char="•"/>
             </a:pPr>
             <a:r>
-              <a:rPr lang="en-US" b="1" i="0">
+              <a:rPr lang="en-US" b="1" i="0" dirty="0">
                 <a:effectLst/>
                 <a:latin typeface="Söhne"/>
               </a:rPr>
               <a:t>Backend</a:t>
             </a:r>
             <a:r>
-              <a:rPr lang="en-US" b="0" i="0">
+              <a:rPr lang="en-US" b="0" i="0" dirty="0">
                 <a:effectLst/>
                 <a:latin typeface="Söhne"/>
               </a:rPr>
@@ -8462,18 +8812,32 @@
               <a:buChar char="•"/>
             </a:pPr>
             <a:r>
-              <a:rPr lang="en-US" b="1" i="0">
+              <a:rPr lang="en-US" b="1" i="0" dirty="0">
                 <a:effectLst/>
                 <a:latin typeface="Söhne"/>
               </a:rPr>
               <a:t>Frontend</a:t>
             </a:r>
             <a:r>
-              <a:rPr lang="en-US" b="0" i="0">
+              <a:rPr lang="en-US" b="0" i="0" dirty="0">
                 <a:effectLst/>
                 <a:latin typeface="Söhne"/>
               </a:rPr>
-              <a:t>: HTML, CSS, JavaScript (libraries/frameworks).</a:t>
+              <a:t>: HTML, CSS, </a:t>
+            </a:r>
+            <a:r>
+              <a:rPr lang="en-US" b="0" i="0" dirty="0" err="1">
+                <a:effectLst/>
+                <a:latin typeface="Söhne"/>
+              </a:rPr>
+              <a:t>php</a:t>
+            </a:r>
+            <a:r>
+              <a:rPr lang="en-US" b="0" i="0" dirty="0">
+                <a:effectLst/>
+                <a:latin typeface="Söhne"/>
+              </a:rPr>
+              <a:t>, python (libraries/frameworks).</a:t>
             </a:r>
           </a:p>
           <a:p>
@@ -8482,14 +8846,14 @@
               <a:buChar char="•"/>
             </a:pPr>
             <a:r>
-              <a:rPr lang="en-US" b="1" i="0">
+              <a:rPr lang="en-US" b="1" i="0" dirty="0">
                 <a:effectLst/>
                 <a:latin typeface="Söhne"/>
               </a:rPr>
               <a:t>Database</a:t>
             </a:r>
             <a:r>
-              <a:rPr lang="en-US" b="0" i="0">
+              <a:rPr lang="en-US" b="0" i="0" dirty="0">
                 <a:effectLst/>
                 <a:latin typeface="Söhne"/>
               </a:rPr>
@@ -8502,14 +8866,14 @@
               <a:buChar char="•"/>
             </a:pPr>
             <a:r>
-              <a:rPr lang="en-US" b="1" i="0">
+              <a:rPr lang="en-US" b="1" i="0" dirty="0">
                 <a:effectLst/>
                 <a:latin typeface="Söhne"/>
               </a:rPr>
               <a:t>Version Control</a:t>
             </a:r>
             <a:r>
-              <a:rPr lang="en-US" b="0" i="0">
+              <a:rPr lang="en-US" b="0" i="0" dirty="0">
                 <a:effectLst/>
                 <a:latin typeface="Söhne"/>
               </a:rPr>
@@ -8517,7 +8881,7 @@
             </a:r>
           </a:p>
           <a:p>
-            <a:endParaRPr lang="en-US">
+            <a:endParaRPr lang="en-US" dirty="0">
               <a:latin typeface="Söhne"/>
             </a:endParaRPr>
           </a:p>
@@ -11277,6 +11641,265 @@
     <p:extLst>
       <p:ext uri="{BB962C8B-B14F-4D97-AF65-F5344CB8AC3E}">
         <p14:creationId xmlns:p14="http://schemas.microsoft.com/office/powerpoint/2010/main" val="1355471187"/>
+      </p:ext>
+    </p:extLst>
+  </p:cSld>
+  <p:clrMapOvr>
+    <a:masterClrMapping/>
+  </p:clrMapOvr>
+</p:sld>
+</file>
+
+<file path=ppt/slides/slide8.xml><?xml version="1.0" encoding="utf-8"?>
+<p:sld xmlns:a="http://schemas.openxmlformats.org/drawingml/2006/main" xmlns:r="http://schemas.openxmlformats.org/officeDocument/2006/relationships" xmlns:p="http://schemas.openxmlformats.org/presentationml/2006/main">
+  <p:cSld>
+    <p:bg>
+      <p:bgPr>
+        <a:solidFill>
+          <a:schemeClr val="bg2"/>
+        </a:solidFill>
+        <a:effectLst/>
+      </p:bgPr>
+    </p:bg>
+    <p:spTree>
+      <p:nvGrpSpPr>
+        <p:cNvPr id="1" name=""/>
+        <p:cNvGrpSpPr/>
+        <p:nvPr/>
+      </p:nvGrpSpPr>
+      <p:grpSpPr>
+        <a:xfrm>
+          <a:off x="0" y="0"/>
+          <a:ext cx="0" cy="0"/>
+          <a:chOff x="0" y="0"/>
+          <a:chExt cx="0" cy="0"/>
+        </a:xfrm>
+      </p:grpSpPr>
+      <p:sp useBgFill="1">
+        <p:nvSpPr>
+          <p:cNvPr id="10" name="Rectangle 9">
+            <a:extLst>
+              <a:ext uri="{FF2B5EF4-FFF2-40B4-BE49-F238E27FC236}">
+                <a16:creationId xmlns:a16="http://schemas.microsoft.com/office/drawing/2014/main" id="{8950AD4C-6AF3-49F8-94E1-DBCAFB39478B}"/>
+              </a:ext>
+              <a:ext uri="{C183D7F6-B498-43B3-948B-1728B52AA6E4}">
+                <adec:decorative xmlns:adec="http://schemas.microsoft.com/office/drawing/2017/decorative" val="1"/>
+              </a:ext>
+            </a:extLst>
+          </p:cNvPr>
+          <p:cNvSpPr>
+            <a:spLocks noGrp="1" noRot="1" noChangeAspect="1" noMove="1" noResize="1" noEditPoints="1" noAdjustHandles="1" noChangeArrowheads="1" noChangeShapeType="1" noTextEdit="1"/>
+          </p:cNvSpPr>
+          <p:nvPr>
+            <p:extLst>
+              <p:ext uri="{386F3935-93C4-4BCD-93E2-E3B085C9AB24}">
+                <p16:designElem xmlns:p16="http://schemas.microsoft.com/office/powerpoint/2015/main" val="1"/>
+              </p:ext>
+            </p:extLst>
+          </p:nvPr>
+        </p:nvSpPr>
+        <p:spPr>
+          <a:xfrm>
+            <a:off x="0" y="0"/>
+            <a:ext cx="12192000" cy="6858000"/>
+          </a:xfrm>
+          <a:prstGeom prst="rect">
+            <a:avLst/>
+          </a:prstGeom>
+          <a:ln>
+            <a:noFill/>
+          </a:ln>
+        </p:spPr>
+        <p:style>
+          <a:lnRef idx="2">
+            <a:schemeClr val="accent1">
+              <a:shade val="50000"/>
+            </a:schemeClr>
+          </a:lnRef>
+          <a:fillRef idx="1">
+            <a:schemeClr val="accent1"/>
+          </a:fillRef>
+          <a:effectRef idx="0">
+            <a:schemeClr val="accent1"/>
+          </a:effectRef>
+          <a:fontRef idx="minor">
+            <a:schemeClr val="lt1"/>
+          </a:fontRef>
+        </p:style>
+        <p:txBody>
+          <a:bodyPr rtlCol="0" anchor="ctr"/>
+          <a:lstStyle/>
+          <a:p>
+            <a:pPr algn="ctr"/>
+            <a:endParaRPr lang="en-US"/>
+          </a:p>
+        </p:txBody>
+      </p:sp>
+      <p:pic>
+        <p:nvPicPr>
+          <p:cNvPr id="5" name="Content Placeholder 4" descr="A screenshot of a computer&#10;&#10;Description automatically generated">
+            <a:extLst>
+              <a:ext uri="{FF2B5EF4-FFF2-40B4-BE49-F238E27FC236}">
+                <a16:creationId xmlns:a16="http://schemas.microsoft.com/office/drawing/2014/main" id="{EAD1F268-F6A3-C6AD-E0CE-7B7436798B15}"/>
+              </a:ext>
+            </a:extLst>
+          </p:cNvPr>
+          <p:cNvPicPr>
+            <a:picLocks noGrp="1" noChangeAspect="1"/>
+          </p:cNvPicPr>
+          <p:nvPr>
+            <p:ph idx="1"/>
+          </p:nvPr>
+        </p:nvPicPr>
+        <p:blipFill>
+          <a:blip r:embed="rId2"/>
+          <a:stretch>
+            <a:fillRect/>
+          </a:stretch>
+        </p:blipFill>
+        <p:spPr>
+          <a:xfrm>
+            <a:off x="1258293" y="643467"/>
+            <a:ext cx="9688812" cy="5571066"/>
+          </a:xfrm>
+          <a:prstGeom prst="rect">
+            <a:avLst/>
+          </a:prstGeom>
+        </p:spPr>
+      </p:pic>
+    </p:spTree>
+    <p:extLst>
+      <p:ext uri="{BB962C8B-B14F-4D97-AF65-F5344CB8AC3E}">
+        <p14:creationId xmlns:p14="http://schemas.microsoft.com/office/powerpoint/2010/main" val="1910779205"/>
+      </p:ext>
+    </p:extLst>
+  </p:cSld>
+  <p:clrMapOvr>
+    <a:masterClrMapping/>
+  </p:clrMapOvr>
+</p:sld>
+</file>
+
+<file path=ppt/slides/slide9.xml><?xml version="1.0" encoding="utf-8"?>
+<p:sld xmlns:a="http://schemas.openxmlformats.org/drawingml/2006/main" xmlns:r="http://schemas.openxmlformats.org/officeDocument/2006/relationships" xmlns:p="http://schemas.openxmlformats.org/presentationml/2006/main">
+  <p:cSld>
+    <p:bg>
+      <p:bgPr>
+        <a:solidFill>
+          <a:schemeClr val="bg2"/>
+        </a:solidFill>
+        <a:effectLst/>
+      </p:bgPr>
+    </p:bg>
+    <p:spTree>
+      <p:nvGrpSpPr>
+        <p:cNvPr id="1" name=""/>
+        <p:cNvGrpSpPr/>
+        <p:nvPr/>
+      </p:nvGrpSpPr>
+      <p:grpSpPr>
+        <a:xfrm>
+          <a:off x="0" y="0"/>
+          <a:ext cx="0" cy="0"/>
+          <a:chOff x="0" y="0"/>
+          <a:chExt cx="0" cy="0"/>
+        </a:xfrm>
+      </p:grpSpPr>
+      <p:sp useBgFill="1">
+        <p:nvSpPr>
+          <p:cNvPr id="10" name="Rectangle 9">
+            <a:extLst>
+              <a:ext uri="{FF2B5EF4-FFF2-40B4-BE49-F238E27FC236}">
+                <a16:creationId xmlns:a16="http://schemas.microsoft.com/office/drawing/2014/main" id="{8950AD4C-6AF3-49F8-94E1-DBCAFB39478B}"/>
+              </a:ext>
+              <a:ext uri="{C183D7F6-B498-43B3-948B-1728B52AA6E4}">
+                <adec:decorative xmlns:adec="http://schemas.microsoft.com/office/drawing/2017/decorative" val="1"/>
+              </a:ext>
+            </a:extLst>
+          </p:cNvPr>
+          <p:cNvSpPr>
+            <a:spLocks noGrp="1" noRot="1" noChangeAspect="1" noMove="1" noResize="1" noEditPoints="1" noAdjustHandles="1" noChangeArrowheads="1" noChangeShapeType="1" noTextEdit="1"/>
+          </p:cNvSpPr>
+          <p:nvPr>
+            <p:extLst>
+              <p:ext uri="{386F3935-93C4-4BCD-93E2-E3B085C9AB24}">
+                <p16:designElem xmlns:p16="http://schemas.microsoft.com/office/powerpoint/2015/main" val="1"/>
+              </p:ext>
+            </p:extLst>
+          </p:nvPr>
+        </p:nvSpPr>
+        <p:spPr>
+          <a:xfrm>
+            <a:off x="0" y="0"/>
+            <a:ext cx="12192000" cy="6858000"/>
+          </a:xfrm>
+          <a:prstGeom prst="rect">
+            <a:avLst/>
+          </a:prstGeom>
+          <a:ln>
+            <a:noFill/>
+          </a:ln>
+        </p:spPr>
+        <p:style>
+          <a:lnRef idx="2">
+            <a:schemeClr val="accent1">
+              <a:shade val="50000"/>
+            </a:schemeClr>
+          </a:lnRef>
+          <a:fillRef idx="1">
+            <a:schemeClr val="accent1"/>
+          </a:fillRef>
+          <a:effectRef idx="0">
+            <a:schemeClr val="accent1"/>
+          </a:effectRef>
+          <a:fontRef idx="minor">
+            <a:schemeClr val="lt1"/>
+          </a:fontRef>
+        </p:style>
+        <p:txBody>
+          <a:bodyPr rtlCol="0" anchor="ctr"/>
+          <a:lstStyle/>
+          <a:p>
+            <a:pPr algn="ctr"/>
+            <a:endParaRPr lang="en-US"/>
+          </a:p>
+        </p:txBody>
+      </p:sp>
+      <p:pic>
+        <p:nvPicPr>
+          <p:cNvPr id="5" name="Content Placeholder 4" descr="A screen shot of a computer&#10;&#10;Description automatically generated">
+            <a:extLst>
+              <a:ext uri="{FF2B5EF4-FFF2-40B4-BE49-F238E27FC236}">
+                <a16:creationId xmlns:a16="http://schemas.microsoft.com/office/drawing/2014/main" id="{8B856FB0-9C9E-279C-B0E5-AF30D3827490}"/>
+              </a:ext>
+            </a:extLst>
+          </p:cNvPr>
+          <p:cNvPicPr>
+            <a:picLocks noGrp="1" noChangeAspect="1"/>
+          </p:cNvPicPr>
+          <p:nvPr>
+            <p:ph idx="1"/>
+          </p:nvPr>
+        </p:nvPicPr>
+        <p:blipFill rotWithShape="1">
+          <a:blip r:embed="rId2"/>
+          <a:srcRect t="10745" b="14255"/>
+          <a:stretch/>
+        </p:blipFill>
+        <p:spPr>
+          <a:xfrm>
+            <a:off x="-1" y="10"/>
+            <a:ext cx="12192000" cy="6857990"/>
+          </a:xfrm>
+          <a:prstGeom prst="rect">
+            <a:avLst/>
+          </a:prstGeom>
+        </p:spPr>
+      </p:pic>
+    </p:spTree>
+    <p:extLst>
+      <p:ext uri="{BB962C8B-B14F-4D97-AF65-F5344CB8AC3E}">
+        <p14:creationId xmlns:p14="http://schemas.microsoft.com/office/powerpoint/2010/main" val="978638854"/>
       </p:ext>
     </p:extLst>
   </p:cSld>
